--- a/methods.pptx
+++ b/methods.pptx
@@ -7067,42 +7067,6 @@
           </a:prstGeom>
         </p:spPr>
       </p:pic>
-      <p:pic>
-        <p:nvPicPr>
-          <p:cNvPr id="109" name="Content Placeholder 3"/>
-          <p:cNvPicPr>
-            <a:picLocks noGrp="1" noChangeAspect="1"/>
-          </p:cNvPicPr>
-          <p:nvPr>
-            <p:ph idx="1"/>
-          </p:nvPr>
-        </p:nvPicPr>
-        <p:blipFill rotWithShape="1">
-          <a:blip r:embed="rId6">
-            <a:clrChange>
-              <a:clrFrom>
-                <a:srgbClr val="FFFFFF"/>
-              </a:clrFrom>
-              <a:clrTo>
-                <a:srgbClr val="FFFFFF">
-                  <a:alpha val="0"/>
-                </a:srgbClr>
-              </a:clrTo>
-            </a:clrChange>
-          </a:blip>
-          <a:srcRect l="19826" t="14084" r="22078" b="7655"/>
-          <a:stretch/>
-        </p:blipFill>
-        <p:spPr>
-          <a:xfrm rot="20417920">
-            <a:off x="45313" y="4451517"/>
-            <a:ext cx="2413235" cy="1828633"/>
-          </a:xfrm>
-          <a:prstGeom prst="rect">
-            <a:avLst/>
-          </a:prstGeom>
-        </p:spPr>
-      </p:pic>
     </p:spTree>
     <p:extLst>
       <p:ext uri="{BB962C8B-B14F-4D97-AF65-F5344CB8AC3E}">
